--- a/ppt 16-9/1549.真的有一位神爱.pptx
+++ b/ppt 16-9/1549.真的有一位神爱.pptx
@@ -5,7 +5,7 @@
     <p:sldMasterId id="2147483648" r:id="rId1"/>
   </p:sldMasterIdLst>
   <p:sldIdLst>
-    <p:sldId id="3399" r:id="rId2"/>
+    <p:sldId id="3401" r:id="rId2"/>
   </p:sldIdLst>
   <p:sldSz cx="12192000" cy="6858000"/>
   <p:notesSz cx="6858000" cy="9144000"/>
@@ -129,7 +129,7 @@
           <p:cNvPr id="2" name="标题 1">
             <a:extLst>
               <a:ext uri="{FF2B5EF4-FFF2-40B4-BE49-F238E27FC236}">
-                <a16:creationId xmlns:a16="http://schemas.microsoft.com/office/drawing/2014/main" id="{51D12CA2-1F4F-AC20-F5C8-230E230C1774}"/>
+                <a16:creationId xmlns:a16="http://schemas.microsoft.com/office/drawing/2014/main" id="{7CA506E3-8652-ECF5-4BC5-46499BFCB7C1}"/>
               </a:ext>
             </a:extLst>
           </p:cNvPr>
@@ -166,7 +166,7 @@
           <p:cNvPr id="3" name="副标题 2">
             <a:extLst>
               <a:ext uri="{FF2B5EF4-FFF2-40B4-BE49-F238E27FC236}">
-                <a16:creationId xmlns:a16="http://schemas.microsoft.com/office/drawing/2014/main" id="{3EBA6597-2A64-ADB1-FDBF-6A560CF34587}"/>
+                <a16:creationId xmlns:a16="http://schemas.microsoft.com/office/drawing/2014/main" id="{B81DE278-C98E-B67A-466F-248964A22957}"/>
               </a:ext>
             </a:extLst>
           </p:cNvPr>
@@ -236,7 +236,7 @@
           <p:cNvPr id="4" name="日期占位符 3">
             <a:extLst>
               <a:ext uri="{FF2B5EF4-FFF2-40B4-BE49-F238E27FC236}">
-                <a16:creationId xmlns:a16="http://schemas.microsoft.com/office/drawing/2014/main" id="{4AD38525-279A-7DA2-B688-9E94F95E5DD0}"/>
+                <a16:creationId xmlns:a16="http://schemas.microsoft.com/office/drawing/2014/main" id="{DE88AAAD-8D90-496A-E11A-1116F6C5C581}"/>
               </a:ext>
             </a:extLst>
           </p:cNvPr>
@@ -252,7 +252,7 @@
           <a:bodyPr/>
           <a:lstStyle/>
           <a:p>
-            <a:fld id="{84405C04-CFA0-4D8C-ACD3-CF740CCBB556}" type="datetimeFigureOut">
+            <a:fld id="{84BCE30B-274F-4194-9142-E3F0B859448B}" type="datetimeFigureOut">
               <a:rPr lang="zh-CN" altLang="en-US" smtClean="0"/>
               <a:t>2024/3/10</a:t>
             </a:fld>
@@ -265,7 +265,7 @@
           <p:cNvPr id="5" name="页脚占位符 4">
             <a:extLst>
               <a:ext uri="{FF2B5EF4-FFF2-40B4-BE49-F238E27FC236}">
-                <a16:creationId xmlns:a16="http://schemas.microsoft.com/office/drawing/2014/main" id="{E182EBF6-678D-5E06-CDD8-E60BF9E51123}"/>
+                <a16:creationId xmlns:a16="http://schemas.microsoft.com/office/drawing/2014/main" id="{DAB827EB-93C6-CED0-1EE6-14697D5E6B60}"/>
               </a:ext>
             </a:extLst>
           </p:cNvPr>
@@ -290,7 +290,7 @@
           <p:cNvPr id="6" name="灯片编号占位符 5">
             <a:extLst>
               <a:ext uri="{FF2B5EF4-FFF2-40B4-BE49-F238E27FC236}">
-                <a16:creationId xmlns:a16="http://schemas.microsoft.com/office/drawing/2014/main" id="{70FC7689-0C76-29E9-91CB-C6092F4F6B15}"/>
+                <a16:creationId xmlns:a16="http://schemas.microsoft.com/office/drawing/2014/main" id="{EBB6E680-7CA6-C427-A206-05D9A9BD5861}"/>
               </a:ext>
             </a:extLst>
           </p:cNvPr>
@@ -306,7 +306,7 @@
           <a:bodyPr/>
           <a:lstStyle/>
           <a:p>
-            <a:fld id="{5B8A1779-9D12-4A4B-A6FE-E26551F73734}" type="slidenum">
+            <a:fld id="{20BD663C-372E-4720-8E5D-85A875556813}" type="slidenum">
               <a:rPr lang="zh-CN" altLang="en-US" smtClean="0"/>
               <a:t>‹#›</a:t>
             </a:fld>
@@ -317,7 +317,7 @@
     </p:spTree>
     <p:extLst>
       <p:ext uri="{BB962C8B-B14F-4D97-AF65-F5344CB8AC3E}">
-        <p14:creationId xmlns:p14="http://schemas.microsoft.com/office/powerpoint/2010/main" val="3312456502"/>
+        <p14:creationId xmlns:p14="http://schemas.microsoft.com/office/powerpoint/2010/main" val="525847684"/>
       </p:ext>
     </p:extLst>
   </p:cSld>
@@ -349,7 +349,7 @@
           <p:cNvPr id="2" name="标题 1">
             <a:extLst>
               <a:ext uri="{FF2B5EF4-FFF2-40B4-BE49-F238E27FC236}">
-                <a16:creationId xmlns:a16="http://schemas.microsoft.com/office/drawing/2014/main" id="{F1CF3DCC-2F84-AE3C-C84F-BA1EC3D896A6}"/>
+                <a16:creationId xmlns:a16="http://schemas.microsoft.com/office/drawing/2014/main" id="{FA0E355E-A2A9-6DC2-B03C-026A9A43D7CC}"/>
               </a:ext>
             </a:extLst>
           </p:cNvPr>
@@ -377,7 +377,7 @@
           <p:cNvPr id="3" name="竖排文字占位符 2">
             <a:extLst>
               <a:ext uri="{FF2B5EF4-FFF2-40B4-BE49-F238E27FC236}">
-                <a16:creationId xmlns:a16="http://schemas.microsoft.com/office/drawing/2014/main" id="{8CD2CC72-540F-8DEC-D891-D2E2A34AEB5C}"/>
+                <a16:creationId xmlns:a16="http://schemas.microsoft.com/office/drawing/2014/main" id="{50DBBF48-D279-3CB2-FFEA-AEB0A1A83E3F}"/>
               </a:ext>
             </a:extLst>
           </p:cNvPr>
@@ -434,7 +434,7 @@
           <p:cNvPr id="4" name="日期占位符 3">
             <a:extLst>
               <a:ext uri="{FF2B5EF4-FFF2-40B4-BE49-F238E27FC236}">
-                <a16:creationId xmlns:a16="http://schemas.microsoft.com/office/drawing/2014/main" id="{93826DAB-6572-0956-257E-84C4B430E734}"/>
+                <a16:creationId xmlns:a16="http://schemas.microsoft.com/office/drawing/2014/main" id="{E4C9C550-7F4C-B01D-1F35-0352B6A8FF10}"/>
               </a:ext>
             </a:extLst>
           </p:cNvPr>
@@ -450,7 +450,7 @@
           <a:bodyPr/>
           <a:lstStyle/>
           <a:p>
-            <a:fld id="{84405C04-CFA0-4D8C-ACD3-CF740CCBB556}" type="datetimeFigureOut">
+            <a:fld id="{84BCE30B-274F-4194-9142-E3F0B859448B}" type="datetimeFigureOut">
               <a:rPr lang="zh-CN" altLang="en-US" smtClean="0"/>
               <a:t>2024/3/10</a:t>
             </a:fld>
@@ -463,7 +463,7 @@
           <p:cNvPr id="5" name="页脚占位符 4">
             <a:extLst>
               <a:ext uri="{FF2B5EF4-FFF2-40B4-BE49-F238E27FC236}">
-                <a16:creationId xmlns:a16="http://schemas.microsoft.com/office/drawing/2014/main" id="{66ECF07D-3EC9-5597-5F31-887FDBE3526D}"/>
+                <a16:creationId xmlns:a16="http://schemas.microsoft.com/office/drawing/2014/main" id="{43F1F364-E9AB-6751-A0EB-E7D1EDCD03C6}"/>
               </a:ext>
             </a:extLst>
           </p:cNvPr>
@@ -488,7 +488,7 @@
           <p:cNvPr id="6" name="灯片编号占位符 5">
             <a:extLst>
               <a:ext uri="{FF2B5EF4-FFF2-40B4-BE49-F238E27FC236}">
-                <a16:creationId xmlns:a16="http://schemas.microsoft.com/office/drawing/2014/main" id="{06B3AFBA-377A-321C-943A-920E7E102F31}"/>
+                <a16:creationId xmlns:a16="http://schemas.microsoft.com/office/drawing/2014/main" id="{1476C8AA-300D-602E-8C16-159B7C92D0C6}"/>
               </a:ext>
             </a:extLst>
           </p:cNvPr>
@@ -504,7 +504,7 @@
           <a:bodyPr/>
           <a:lstStyle/>
           <a:p>
-            <a:fld id="{5B8A1779-9D12-4A4B-A6FE-E26551F73734}" type="slidenum">
+            <a:fld id="{20BD663C-372E-4720-8E5D-85A875556813}" type="slidenum">
               <a:rPr lang="zh-CN" altLang="en-US" smtClean="0"/>
               <a:t>‹#›</a:t>
             </a:fld>
@@ -515,7 +515,7 @@
     </p:spTree>
     <p:extLst>
       <p:ext uri="{BB962C8B-B14F-4D97-AF65-F5344CB8AC3E}">
-        <p14:creationId xmlns:p14="http://schemas.microsoft.com/office/powerpoint/2010/main" val="4221061268"/>
+        <p14:creationId xmlns:p14="http://schemas.microsoft.com/office/powerpoint/2010/main" val="1711881018"/>
       </p:ext>
     </p:extLst>
   </p:cSld>
@@ -547,7 +547,7 @@
           <p:cNvPr id="2" name="竖排标题 1">
             <a:extLst>
               <a:ext uri="{FF2B5EF4-FFF2-40B4-BE49-F238E27FC236}">
-                <a16:creationId xmlns:a16="http://schemas.microsoft.com/office/drawing/2014/main" id="{3A9B321E-67EA-630E-0DE4-D72D0AC99AE7}"/>
+                <a16:creationId xmlns:a16="http://schemas.microsoft.com/office/drawing/2014/main" id="{8E2A353F-1CFA-3034-D977-109A3165C036}"/>
               </a:ext>
             </a:extLst>
           </p:cNvPr>
@@ -580,7 +580,7 @@
           <p:cNvPr id="3" name="竖排文字占位符 2">
             <a:extLst>
               <a:ext uri="{FF2B5EF4-FFF2-40B4-BE49-F238E27FC236}">
-                <a16:creationId xmlns:a16="http://schemas.microsoft.com/office/drawing/2014/main" id="{E3B01A1C-27C5-8FC8-381D-48B43CA01DAC}"/>
+                <a16:creationId xmlns:a16="http://schemas.microsoft.com/office/drawing/2014/main" id="{56CB904F-3B3E-585E-01E8-DEC667411560}"/>
               </a:ext>
             </a:extLst>
           </p:cNvPr>
@@ -642,7 +642,7 @@
           <p:cNvPr id="4" name="日期占位符 3">
             <a:extLst>
               <a:ext uri="{FF2B5EF4-FFF2-40B4-BE49-F238E27FC236}">
-                <a16:creationId xmlns:a16="http://schemas.microsoft.com/office/drawing/2014/main" id="{997C763E-65AB-BC45-88BC-79FDCD47FF5C}"/>
+                <a16:creationId xmlns:a16="http://schemas.microsoft.com/office/drawing/2014/main" id="{80604466-7FAE-3F39-3E63-3FFF75722390}"/>
               </a:ext>
             </a:extLst>
           </p:cNvPr>
@@ -658,7 +658,7 @@
           <a:bodyPr/>
           <a:lstStyle/>
           <a:p>
-            <a:fld id="{84405C04-CFA0-4D8C-ACD3-CF740CCBB556}" type="datetimeFigureOut">
+            <a:fld id="{84BCE30B-274F-4194-9142-E3F0B859448B}" type="datetimeFigureOut">
               <a:rPr lang="zh-CN" altLang="en-US" smtClean="0"/>
               <a:t>2024/3/10</a:t>
             </a:fld>
@@ -671,7 +671,7 @@
           <p:cNvPr id="5" name="页脚占位符 4">
             <a:extLst>
               <a:ext uri="{FF2B5EF4-FFF2-40B4-BE49-F238E27FC236}">
-                <a16:creationId xmlns:a16="http://schemas.microsoft.com/office/drawing/2014/main" id="{41EC455E-20CA-8806-8E3F-299266207FAF}"/>
+                <a16:creationId xmlns:a16="http://schemas.microsoft.com/office/drawing/2014/main" id="{DDDF867E-C227-984A-5B07-16CD4B29819F}"/>
               </a:ext>
             </a:extLst>
           </p:cNvPr>
@@ -696,7 +696,7 @@
           <p:cNvPr id="6" name="灯片编号占位符 5">
             <a:extLst>
               <a:ext uri="{FF2B5EF4-FFF2-40B4-BE49-F238E27FC236}">
-                <a16:creationId xmlns:a16="http://schemas.microsoft.com/office/drawing/2014/main" id="{8BD8772D-B347-034A-A9C3-26024939E3C8}"/>
+                <a16:creationId xmlns:a16="http://schemas.microsoft.com/office/drawing/2014/main" id="{69681DB6-B5CC-D58B-B60A-AE3C10EA98D4}"/>
               </a:ext>
             </a:extLst>
           </p:cNvPr>
@@ -712,7 +712,7 @@
           <a:bodyPr/>
           <a:lstStyle/>
           <a:p>
-            <a:fld id="{5B8A1779-9D12-4A4B-A6FE-E26551F73734}" type="slidenum">
+            <a:fld id="{20BD663C-372E-4720-8E5D-85A875556813}" type="slidenum">
               <a:rPr lang="zh-CN" altLang="en-US" smtClean="0"/>
               <a:t>‹#›</a:t>
             </a:fld>
@@ -723,7 +723,7 @@
     </p:spTree>
     <p:extLst>
       <p:ext uri="{BB962C8B-B14F-4D97-AF65-F5344CB8AC3E}">
-        <p14:creationId xmlns:p14="http://schemas.microsoft.com/office/powerpoint/2010/main" val="3299486856"/>
+        <p14:creationId xmlns:p14="http://schemas.microsoft.com/office/powerpoint/2010/main" val="3348972940"/>
       </p:ext>
     </p:extLst>
   </p:cSld>
@@ -755,7 +755,7 @@
           <p:cNvPr id="2" name="标题 1">
             <a:extLst>
               <a:ext uri="{FF2B5EF4-FFF2-40B4-BE49-F238E27FC236}">
-                <a16:creationId xmlns:a16="http://schemas.microsoft.com/office/drawing/2014/main" id="{4015DDBA-9B40-E616-FD04-249AED1B5C23}"/>
+                <a16:creationId xmlns:a16="http://schemas.microsoft.com/office/drawing/2014/main" id="{DB58AB93-2A99-37D0-4021-0571AF2D750A}"/>
               </a:ext>
             </a:extLst>
           </p:cNvPr>
@@ -783,7 +783,7 @@
           <p:cNvPr id="3" name="内容占位符 2">
             <a:extLst>
               <a:ext uri="{FF2B5EF4-FFF2-40B4-BE49-F238E27FC236}">
-                <a16:creationId xmlns:a16="http://schemas.microsoft.com/office/drawing/2014/main" id="{2895E063-243D-DC51-2739-4B62F49D4FF7}"/>
+                <a16:creationId xmlns:a16="http://schemas.microsoft.com/office/drawing/2014/main" id="{1E71C132-F428-3019-C73A-A0D7FC650571}"/>
               </a:ext>
             </a:extLst>
           </p:cNvPr>
@@ -840,7 +840,7 @@
           <p:cNvPr id="4" name="日期占位符 3">
             <a:extLst>
               <a:ext uri="{FF2B5EF4-FFF2-40B4-BE49-F238E27FC236}">
-                <a16:creationId xmlns:a16="http://schemas.microsoft.com/office/drawing/2014/main" id="{D3273DBA-1C64-056D-B675-B4A60C1588A9}"/>
+                <a16:creationId xmlns:a16="http://schemas.microsoft.com/office/drawing/2014/main" id="{0A59307F-9C4A-AF7E-BA89-D00C92430972}"/>
               </a:ext>
             </a:extLst>
           </p:cNvPr>
@@ -856,7 +856,7 @@
           <a:bodyPr/>
           <a:lstStyle/>
           <a:p>
-            <a:fld id="{84405C04-CFA0-4D8C-ACD3-CF740CCBB556}" type="datetimeFigureOut">
+            <a:fld id="{84BCE30B-274F-4194-9142-E3F0B859448B}" type="datetimeFigureOut">
               <a:rPr lang="zh-CN" altLang="en-US" smtClean="0"/>
               <a:t>2024/3/10</a:t>
             </a:fld>
@@ -869,7 +869,7 @@
           <p:cNvPr id="5" name="页脚占位符 4">
             <a:extLst>
               <a:ext uri="{FF2B5EF4-FFF2-40B4-BE49-F238E27FC236}">
-                <a16:creationId xmlns:a16="http://schemas.microsoft.com/office/drawing/2014/main" id="{72C0C1D5-A025-4E29-AC81-9017CADA75F0}"/>
+                <a16:creationId xmlns:a16="http://schemas.microsoft.com/office/drawing/2014/main" id="{2F3E7F45-27B5-9716-C7D1-AB6492772D1B}"/>
               </a:ext>
             </a:extLst>
           </p:cNvPr>
@@ -894,7 +894,7 @@
           <p:cNvPr id="6" name="灯片编号占位符 5">
             <a:extLst>
               <a:ext uri="{FF2B5EF4-FFF2-40B4-BE49-F238E27FC236}">
-                <a16:creationId xmlns:a16="http://schemas.microsoft.com/office/drawing/2014/main" id="{FA76F2CE-8EE9-5015-D5A8-640AB9861EC1}"/>
+                <a16:creationId xmlns:a16="http://schemas.microsoft.com/office/drawing/2014/main" id="{AFEA13C8-102A-B2DA-E9BA-4D2557AEF88C}"/>
               </a:ext>
             </a:extLst>
           </p:cNvPr>
@@ -910,7 +910,7 @@
           <a:bodyPr/>
           <a:lstStyle/>
           <a:p>
-            <a:fld id="{5B8A1779-9D12-4A4B-A6FE-E26551F73734}" type="slidenum">
+            <a:fld id="{20BD663C-372E-4720-8E5D-85A875556813}" type="slidenum">
               <a:rPr lang="zh-CN" altLang="en-US" smtClean="0"/>
               <a:t>‹#›</a:t>
             </a:fld>
@@ -921,7 +921,7 @@
     </p:spTree>
     <p:extLst>
       <p:ext uri="{BB962C8B-B14F-4D97-AF65-F5344CB8AC3E}">
-        <p14:creationId xmlns:p14="http://schemas.microsoft.com/office/powerpoint/2010/main" val="101222194"/>
+        <p14:creationId xmlns:p14="http://schemas.microsoft.com/office/powerpoint/2010/main" val="455302014"/>
       </p:ext>
     </p:extLst>
   </p:cSld>
@@ -953,7 +953,7 @@
           <p:cNvPr id="2" name="标题 1">
             <a:extLst>
               <a:ext uri="{FF2B5EF4-FFF2-40B4-BE49-F238E27FC236}">
-                <a16:creationId xmlns:a16="http://schemas.microsoft.com/office/drawing/2014/main" id="{8C5D7B8E-FA37-EB71-6039-0EFE7F15C0EF}"/>
+                <a16:creationId xmlns:a16="http://schemas.microsoft.com/office/drawing/2014/main" id="{D1C94B65-CBDE-04B0-BE7B-2C06BE8C291C}"/>
               </a:ext>
             </a:extLst>
           </p:cNvPr>
@@ -990,7 +990,7 @@
           <p:cNvPr id="3" name="文本占位符 2">
             <a:extLst>
               <a:ext uri="{FF2B5EF4-FFF2-40B4-BE49-F238E27FC236}">
-                <a16:creationId xmlns:a16="http://schemas.microsoft.com/office/drawing/2014/main" id="{82475E1E-2AC0-769C-24E8-2FE711A0EA40}"/>
+                <a16:creationId xmlns:a16="http://schemas.microsoft.com/office/drawing/2014/main" id="{E98D271E-D5BC-8990-FF4A-429A4861EDC1}"/>
               </a:ext>
             </a:extLst>
           </p:cNvPr>
@@ -1115,7 +1115,7 @@
           <p:cNvPr id="4" name="日期占位符 3">
             <a:extLst>
               <a:ext uri="{FF2B5EF4-FFF2-40B4-BE49-F238E27FC236}">
-                <a16:creationId xmlns:a16="http://schemas.microsoft.com/office/drawing/2014/main" id="{7E76D468-DDB3-728F-BF48-0A01347EA27F}"/>
+                <a16:creationId xmlns:a16="http://schemas.microsoft.com/office/drawing/2014/main" id="{8E4CA5D5-66B0-B0C7-7A33-568D4F950436}"/>
               </a:ext>
             </a:extLst>
           </p:cNvPr>
@@ -1131,7 +1131,7 @@
           <a:bodyPr/>
           <a:lstStyle/>
           <a:p>
-            <a:fld id="{84405C04-CFA0-4D8C-ACD3-CF740CCBB556}" type="datetimeFigureOut">
+            <a:fld id="{84BCE30B-274F-4194-9142-E3F0B859448B}" type="datetimeFigureOut">
               <a:rPr lang="zh-CN" altLang="en-US" smtClean="0"/>
               <a:t>2024/3/10</a:t>
             </a:fld>
@@ -1144,7 +1144,7 @@
           <p:cNvPr id="5" name="页脚占位符 4">
             <a:extLst>
               <a:ext uri="{FF2B5EF4-FFF2-40B4-BE49-F238E27FC236}">
-                <a16:creationId xmlns:a16="http://schemas.microsoft.com/office/drawing/2014/main" id="{72651674-EA13-28DF-AC1C-96709D01CAAF}"/>
+                <a16:creationId xmlns:a16="http://schemas.microsoft.com/office/drawing/2014/main" id="{2DF4C24D-CD28-2D4A-7FEB-651C9F7B9375}"/>
               </a:ext>
             </a:extLst>
           </p:cNvPr>
@@ -1169,7 +1169,7 @@
           <p:cNvPr id="6" name="灯片编号占位符 5">
             <a:extLst>
               <a:ext uri="{FF2B5EF4-FFF2-40B4-BE49-F238E27FC236}">
-                <a16:creationId xmlns:a16="http://schemas.microsoft.com/office/drawing/2014/main" id="{C96D125E-54F9-CC1C-6F7B-76AFB415A4B0}"/>
+                <a16:creationId xmlns:a16="http://schemas.microsoft.com/office/drawing/2014/main" id="{78BED796-0B70-437D-6D5C-D84544266787}"/>
               </a:ext>
             </a:extLst>
           </p:cNvPr>
@@ -1185,7 +1185,7 @@
           <a:bodyPr/>
           <a:lstStyle/>
           <a:p>
-            <a:fld id="{5B8A1779-9D12-4A4B-A6FE-E26551F73734}" type="slidenum">
+            <a:fld id="{20BD663C-372E-4720-8E5D-85A875556813}" type="slidenum">
               <a:rPr lang="zh-CN" altLang="en-US" smtClean="0"/>
               <a:t>‹#›</a:t>
             </a:fld>
@@ -1196,7 +1196,7 @@
     </p:spTree>
     <p:extLst>
       <p:ext uri="{BB962C8B-B14F-4D97-AF65-F5344CB8AC3E}">
-        <p14:creationId xmlns:p14="http://schemas.microsoft.com/office/powerpoint/2010/main" val="2305926899"/>
+        <p14:creationId xmlns:p14="http://schemas.microsoft.com/office/powerpoint/2010/main" val="1919926384"/>
       </p:ext>
     </p:extLst>
   </p:cSld>
@@ -1228,7 +1228,7 @@
           <p:cNvPr id="2" name="标题 1">
             <a:extLst>
               <a:ext uri="{FF2B5EF4-FFF2-40B4-BE49-F238E27FC236}">
-                <a16:creationId xmlns:a16="http://schemas.microsoft.com/office/drawing/2014/main" id="{F3DB9162-B6B2-DDD5-5AF8-182640F64E58}"/>
+                <a16:creationId xmlns:a16="http://schemas.microsoft.com/office/drawing/2014/main" id="{579834FD-062A-74DC-43F8-822F684A6FAE}"/>
               </a:ext>
             </a:extLst>
           </p:cNvPr>
@@ -1256,7 +1256,7 @@
           <p:cNvPr id="3" name="内容占位符 2">
             <a:extLst>
               <a:ext uri="{FF2B5EF4-FFF2-40B4-BE49-F238E27FC236}">
-                <a16:creationId xmlns:a16="http://schemas.microsoft.com/office/drawing/2014/main" id="{8D20C157-9653-24E0-ED92-8DAAD550D62A}"/>
+                <a16:creationId xmlns:a16="http://schemas.microsoft.com/office/drawing/2014/main" id="{837E19CD-1880-3263-6D82-BE1B626D2F40}"/>
               </a:ext>
             </a:extLst>
           </p:cNvPr>
@@ -1318,7 +1318,7 @@
           <p:cNvPr id="4" name="内容占位符 3">
             <a:extLst>
               <a:ext uri="{FF2B5EF4-FFF2-40B4-BE49-F238E27FC236}">
-                <a16:creationId xmlns:a16="http://schemas.microsoft.com/office/drawing/2014/main" id="{0FFA8B50-C413-DA6E-DD81-24CCC60DE3C8}"/>
+                <a16:creationId xmlns:a16="http://schemas.microsoft.com/office/drawing/2014/main" id="{07667CFF-84BB-C59D-70C4-8B025944656C}"/>
               </a:ext>
             </a:extLst>
           </p:cNvPr>
@@ -1380,7 +1380,7 @@
           <p:cNvPr id="5" name="日期占位符 4">
             <a:extLst>
               <a:ext uri="{FF2B5EF4-FFF2-40B4-BE49-F238E27FC236}">
-                <a16:creationId xmlns:a16="http://schemas.microsoft.com/office/drawing/2014/main" id="{C5A3D321-8231-1850-63D8-DAC40BEEB61A}"/>
+                <a16:creationId xmlns:a16="http://schemas.microsoft.com/office/drawing/2014/main" id="{57BF8A45-F920-1FF8-C6AD-1F807C5DF98E}"/>
               </a:ext>
             </a:extLst>
           </p:cNvPr>
@@ -1396,7 +1396,7 @@
           <a:bodyPr/>
           <a:lstStyle/>
           <a:p>
-            <a:fld id="{84405C04-CFA0-4D8C-ACD3-CF740CCBB556}" type="datetimeFigureOut">
+            <a:fld id="{84BCE30B-274F-4194-9142-E3F0B859448B}" type="datetimeFigureOut">
               <a:rPr lang="zh-CN" altLang="en-US" smtClean="0"/>
               <a:t>2024/3/10</a:t>
             </a:fld>
@@ -1409,7 +1409,7 @@
           <p:cNvPr id="6" name="页脚占位符 5">
             <a:extLst>
               <a:ext uri="{FF2B5EF4-FFF2-40B4-BE49-F238E27FC236}">
-                <a16:creationId xmlns:a16="http://schemas.microsoft.com/office/drawing/2014/main" id="{AF247413-08D7-CC24-898F-B0702CB35B09}"/>
+                <a16:creationId xmlns:a16="http://schemas.microsoft.com/office/drawing/2014/main" id="{D14830F1-EF94-08DD-E3CD-A119FAE88CEE}"/>
               </a:ext>
             </a:extLst>
           </p:cNvPr>
@@ -1434,7 +1434,7 @@
           <p:cNvPr id="7" name="灯片编号占位符 6">
             <a:extLst>
               <a:ext uri="{FF2B5EF4-FFF2-40B4-BE49-F238E27FC236}">
-                <a16:creationId xmlns:a16="http://schemas.microsoft.com/office/drawing/2014/main" id="{B54F5533-1A43-C97C-5248-99FFBC6D3A6B}"/>
+                <a16:creationId xmlns:a16="http://schemas.microsoft.com/office/drawing/2014/main" id="{02021BDD-2942-D61B-99CE-4EA5A417514A}"/>
               </a:ext>
             </a:extLst>
           </p:cNvPr>
@@ -1450,7 +1450,7 @@
           <a:bodyPr/>
           <a:lstStyle/>
           <a:p>
-            <a:fld id="{5B8A1779-9D12-4A4B-A6FE-E26551F73734}" type="slidenum">
+            <a:fld id="{20BD663C-372E-4720-8E5D-85A875556813}" type="slidenum">
               <a:rPr lang="zh-CN" altLang="en-US" smtClean="0"/>
               <a:t>‹#›</a:t>
             </a:fld>
@@ -1461,7 +1461,7 @@
     </p:spTree>
     <p:extLst>
       <p:ext uri="{BB962C8B-B14F-4D97-AF65-F5344CB8AC3E}">
-        <p14:creationId xmlns:p14="http://schemas.microsoft.com/office/powerpoint/2010/main" val="2618905410"/>
+        <p14:creationId xmlns:p14="http://schemas.microsoft.com/office/powerpoint/2010/main" val="2930867062"/>
       </p:ext>
     </p:extLst>
   </p:cSld>
@@ -1493,7 +1493,7 @@
           <p:cNvPr id="2" name="标题 1">
             <a:extLst>
               <a:ext uri="{FF2B5EF4-FFF2-40B4-BE49-F238E27FC236}">
-                <a16:creationId xmlns:a16="http://schemas.microsoft.com/office/drawing/2014/main" id="{15AF82AC-9EAF-5A83-D70D-A540867EC22F}"/>
+                <a16:creationId xmlns:a16="http://schemas.microsoft.com/office/drawing/2014/main" id="{B1749602-65B7-2AEB-B15D-5EECF78D31D6}"/>
               </a:ext>
             </a:extLst>
           </p:cNvPr>
@@ -1526,7 +1526,7 @@
           <p:cNvPr id="3" name="文本占位符 2">
             <a:extLst>
               <a:ext uri="{FF2B5EF4-FFF2-40B4-BE49-F238E27FC236}">
-                <a16:creationId xmlns:a16="http://schemas.microsoft.com/office/drawing/2014/main" id="{B570E257-B56B-13FD-3795-28854B2B7E00}"/>
+                <a16:creationId xmlns:a16="http://schemas.microsoft.com/office/drawing/2014/main" id="{7B9FDAF9-155E-EA8A-6E40-4CC2F31D7FBA}"/>
               </a:ext>
             </a:extLst>
           </p:cNvPr>
@@ -1597,7 +1597,7 @@
           <p:cNvPr id="4" name="内容占位符 3">
             <a:extLst>
               <a:ext uri="{FF2B5EF4-FFF2-40B4-BE49-F238E27FC236}">
-                <a16:creationId xmlns:a16="http://schemas.microsoft.com/office/drawing/2014/main" id="{979AAA94-609D-5852-09D6-6A6D7C404989}"/>
+                <a16:creationId xmlns:a16="http://schemas.microsoft.com/office/drawing/2014/main" id="{84D56CE7-908D-7B2A-32C5-BCAE27E5E9A9}"/>
               </a:ext>
             </a:extLst>
           </p:cNvPr>
@@ -1659,7 +1659,7 @@
           <p:cNvPr id="5" name="文本占位符 4">
             <a:extLst>
               <a:ext uri="{FF2B5EF4-FFF2-40B4-BE49-F238E27FC236}">
-                <a16:creationId xmlns:a16="http://schemas.microsoft.com/office/drawing/2014/main" id="{582A1367-7B6F-0B4B-C413-B7E971B3889C}"/>
+                <a16:creationId xmlns:a16="http://schemas.microsoft.com/office/drawing/2014/main" id="{6CC10231-9A36-19BB-021A-7C82015DDD9B}"/>
               </a:ext>
             </a:extLst>
           </p:cNvPr>
@@ -1730,7 +1730,7 @@
           <p:cNvPr id="6" name="内容占位符 5">
             <a:extLst>
               <a:ext uri="{FF2B5EF4-FFF2-40B4-BE49-F238E27FC236}">
-                <a16:creationId xmlns:a16="http://schemas.microsoft.com/office/drawing/2014/main" id="{6DFB8A10-D974-B10C-0E5D-3FACB1BDF593}"/>
+                <a16:creationId xmlns:a16="http://schemas.microsoft.com/office/drawing/2014/main" id="{47EFE467-41BF-7E91-CA06-77DDFD1FED84}"/>
               </a:ext>
             </a:extLst>
           </p:cNvPr>
@@ -1792,7 +1792,7 @@
           <p:cNvPr id="7" name="日期占位符 6">
             <a:extLst>
               <a:ext uri="{FF2B5EF4-FFF2-40B4-BE49-F238E27FC236}">
-                <a16:creationId xmlns:a16="http://schemas.microsoft.com/office/drawing/2014/main" id="{84387D96-2726-F553-1D20-C39D044497E9}"/>
+                <a16:creationId xmlns:a16="http://schemas.microsoft.com/office/drawing/2014/main" id="{266B19B0-3325-160D-C3AD-B98A712FE356}"/>
               </a:ext>
             </a:extLst>
           </p:cNvPr>
@@ -1808,7 +1808,7 @@
           <a:bodyPr/>
           <a:lstStyle/>
           <a:p>
-            <a:fld id="{84405C04-CFA0-4D8C-ACD3-CF740CCBB556}" type="datetimeFigureOut">
+            <a:fld id="{84BCE30B-274F-4194-9142-E3F0B859448B}" type="datetimeFigureOut">
               <a:rPr lang="zh-CN" altLang="en-US" smtClean="0"/>
               <a:t>2024/3/10</a:t>
             </a:fld>
@@ -1821,7 +1821,7 @@
           <p:cNvPr id="8" name="页脚占位符 7">
             <a:extLst>
               <a:ext uri="{FF2B5EF4-FFF2-40B4-BE49-F238E27FC236}">
-                <a16:creationId xmlns:a16="http://schemas.microsoft.com/office/drawing/2014/main" id="{87D947DA-8FF0-0462-C4E2-49FDBD67C463}"/>
+                <a16:creationId xmlns:a16="http://schemas.microsoft.com/office/drawing/2014/main" id="{C0F23266-DDF3-6C57-E29B-DB9E3359DACD}"/>
               </a:ext>
             </a:extLst>
           </p:cNvPr>
@@ -1846,7 +1846,7 @@
           <p:cNvPr id="9" name="灯片编号占位符 8">
             <a:extLst>
               <a:ext uri="{FF2B5EF4-FFF2-40B4-BE49-F238E27FC236}">
-                <a16:creationId xmlns:a16="http://schemas.microsoft.com/office/drawing/2014/main" id="{9F80FF75-EB53-C970-40B1-51F7AB1CAD7C}"/>
+                <a16:creationId xmlns:a16="http://schemas.microsoft.com/office/drawing/2014/main" id="{6353B4E1-754F-5C93-6F44-619F4081615D}"/>
               </a:ext>
             </a:extLst>
           </p:cNvPr>
@@ -1862,7 +1862,7 @@
           <a:bodyPr/>
           <a:lstStyle/>
           <a:p>
-            <a:fld id="{5B8A1779-9D12-4A4B-A6FE-E26551F73734}" type="slidenum">
+            <a:fld id="{20BD663C-372E-4720-8E5D-85A875556813}" type="slidenum">
               <a:rPr lang="zh-CN" altLang="en-US" smtClean="0"/>
               <a:t>‹#›</a:t>
             </a:fld>
@@ -1873,7 +1873,7 @@
     </p:spTree>
     <p:extLst>
       <p:ext uri="{BB962C8B-B14F-4D97-AF65-F5344CB8AC3E}">
-        <p14:creationId xmlns:p14="http://schemas.microsoft.com/office/powerpoint/2010/main" val="3461440702"/>
+        <p14:creationId xmlns:p14="http://schemas.microsoft.com/office/powerpoint/2010/main" val="156619843"/>
       </p:ext>
     </p:extLst>
   </p:cSld>
@@ -1905,7 +1905,7 @@
           <p:cNvPr id="2" name="标题 1">
             <a:extLst>
               <a:ext uri="{FF2B5EF4-FFF2-40B4-BE49-F238E27FC236}">
-                <a16:creationId xmlns:a16="http://schemas.microsoft.com/office/drawing/2014/main" id="{FE0FB0E6-3FF4-06DC-6C59-EF9B1A936DAD}"/>
+                <a16:creationId xmlns:a16="http://schemas.microsoft.com/office/drawing/2014/main" id="{A615016A-07DE-21C2-2FF0-ABD59AEB6847}"/>
               </a:ext>
             </a:extLst>
           </p:cNvPr>
@@ -1933,7 +1933,7 @@
           <p:cNvPr id="3" name="日期占位符 2">
             <a:extLst>
               <a:ext uri="{FF2B5EF4-FFF2-40B4-BE49-F238E27FC236}">
-                <a16:creationId xmlns:a16="http://schemas.microsoft.com/office/drawing/2014/main" id="{074D21D4-AD9B-02D2-A659-7717C31768E6}"/>
+                <a16:creationId xmlns:a16="http://schemas.microsoft.com/office/drawing/2014/main" id="{27E5704E-B366-7F16-0571-39CA6A6EF910}"/>
               </a:ext>
             </a:extLst>
           </p:cNvPr>
@@ -1949,7 +1949,7 @@
           <a:bodyPr/>
           <a:lstStyle/>
           <a:p>
-            <a:fld id="{84405C04-CFA0-4D8C-ACD3-CF740CCBB556}" type="datetimeFigureOut">
+            <a:fld id="{84BCE30B-274F-4194-9142-E3F0B859448B}" type="datetimeFigureOut">
               <a:rPr lang="zh-CN" altLang="en-US" smtClean="0"/>
               <a:t>2024/3/10</a:t>
             </a:fld>
@@ -1962,7 +1962,7 @@
           <p:cNvPr id="4" name="页脚占位符 3">
             <a:extLst>
               <a:ext uri="{FF2B5EF4-FFF2-40B4-BE49-F238E27FC236}">
-                <a16:creationId xmlns:a16="http://schemas.microsoft.com/office/drawing/2014/main" id="{6D13F67F-D9AB-A7E2-BF3C-0F6AD19B8FEB}"/>
+                <a16:creationId xmlns:a16="http://schemas.microsoft.com/office/drawing/2014/main" id="{321A0FC8-0E9E-A7EF-9D19-D79AD529A2F0}"/>
               </a:ext>
             </a:extLst>
           </p:cNvPr>
@@ -1987,7 +1987,7 @@
           <p:cNvPr id="5" name="灯片编号占位符 4">
             <a:extLst>
               <a:ext uri="{FF2B5EF4-FFF2-40B4-BE49-F238E27FC236}">
-                <a16:creationId xmlns:a16="http://schemas.microsoft.com/office/drawing/2014/main" id="{66CDEEF3-67EF-3405-4B21-A79D99F86D83}"/>
+                <a16:creationId xmlns:a16="http://schemas.microsoft.com/office/drawing/2014/main" id="{4F4BD3B7-E1D9-8ABC-1F45-6C3C42B9231A}"/>
               </a:ext>
             </a:extLst>
           </p:cNvPr>
@@ -2003,7 +2003,7 @@
           <a:bodyPr/>
           <a:lstStyle/>
           <a:p>
-            <a:fld id="{5B8A1779-9D12-4A4B-A6FE-E26551F73734}" type="slidenum">
+            <a:fld id="{20BD663C-372E-4720-8E5D-85A875556813}" type="slidenum">
               <a:rPr lang="zh-CN" altLang="en-US" smtClean="0"/>
               <a:t>‹#›</a:t>
             </a:fld>
@@ -2014,7 +2014,7 @@
     </p:spTree>
     <p:extLst>
       <p:ext uri="{BB962C8B-B14F-4D97-AF65-F5344CB8AC3E}">
-        <p14:creationId xmlns:p14="http://schemas.microsoft.com/office/powerpoint/2010/main" val="3909067001"/>
+        <p14:creationId xmlns:p14="http://schemas.microsoft.com/office/powerpoint/2010/main" val="88416470"/>
       </p:ext>
     </p:extLst>
   </p:cSld>
@@ -2046,7 +2046,7 @@
           <p:cNvPr id="2" name="日期占位符 1">
             <a:extLst>
               <a:ext uri="{FF2B5EF4-FFF2-40B4-BE49-F238E27FC236}">
-                <a16:creationId xmlns:a16="http://schemas.microsoft.com/office/drawing/2014/main" id="{A7962D17-64B5-61BF-29CA-4D80EEF53DB3}"/>
+                <a16:creationId xmlns:a16="http://schemas.microsoft.com/office/drawing/2014/main" id="{84452E2B-A908-89EA-9029-1BF3BFC8BBE9}"/>
               </a:ext>
             </a:extLst>
           </p:cNvPr>
@@ -2062,7 +2062,7 @@
           <a:bodyPr/>
           <a:lstStyle/>
           <a:p>
-            <a:fld id="{84405C04-CFA0-4D8C-ACD3-CF740CCBB556}" type="datetimeFigureOut">
+            <a:fld id="{84BCE30B-274F-4194-9142-E3F0B859448B}" type="datetimeFigureOut">
               <a:rPr lang="zh-CN" altLang="en-US" smtClean="0"/>
               <a:t>2024/3/10</a:t>
             </a:fld>
@@ -2075,7 +2075,7 @@
           <p:cNvPr id="3" name="页脚占位符 2">
             <a:extLst>
               <a:ext uri="{FF2B5EF4-FFF2-40B4-BE49-F238E27FC236}">
-                <a16:creationId xmlns:a16="http://schemas.microsoft.com/office/drawing/2014/main" id="{E2E83BE9-566F-3C10-505B-70EE9899EEAF}"/>
+                <a16:creationId xmlns:a16="http://schemas.microsoft.com/office/drawing/2014/main" id="{7D215EF9-A11A-12FB-AF59-4D63E9406963}"/>
               </a:ext>
             </a:extLst>
           </p:cNvPr>
@@ -2100,7 +2100,7 @@
           <p:cNvPr id="4" name="灯片编号占位符 3">
             <a:extLst>
               <a:ext uri="{FF2B5EF4-FFF2-40B4-BE49-F238E27FC236}">
-                <a16:creationId xmlns:a16="http://schemas.microsoft.com/office/drawing/2014/main" id="{5A0E1E05-F024-C191-2677-683CBCDFE1FF}"/>
+                <a16:creationId xmlns:a16="http://schemas.microsoft.com/office/drawing/2014/main" id="{F5D51257-2BCC-6873-F88F-F1749161828F}"/>
               </a:ext>
             </a:extLst>
           </p:cNvPr>
@@ -2116,7 +2116,7 @@
           <a:bodyPr/>
           <a:lstStyle/>
           <a:p>
-            <a:fld id="{5B8A1779-9D12-4A4B-A6FE-E26551F73734}" type="slidenum">
+            <a:fld id="{20BD663C-372E-4720-8E5D-85A875556813}" type="slidenum">
               <a:rPr lang="zh-CN" altLang="en-US" smtClean="0"/>
               <a:t>‹#›</a:t>
             </a:fld>
@@ -2127,7 +2127,7 @@
     </p:spTree>
     <p:extLst>
       <p:ext uri="{BB962C8B-B14F-4D97-AF65-F5344CB8AC3E}">
-        <p14:creationId xmlns:p14="http://schemas.microsoft.com/office/powerpoint/2010/main" val="620702061"/>
+        <p14:creationId xmlns:p14="http://schemas.microsoft.com/office/powerpoint/2010/main" val="1795006248"/>
       </p:ext>
     </p:extLst>
   </p:cSld>
@@ -2159,7 +2159,7 @@
           <p:cNvPr id="2" name="标题 1">
             <a:extLst>
               <a:ext uri="{FF2B5EF4-FFF2-40B4-BE49-F238E27FC236}">
-                <a16:creationId xmlns:a16="http://schemas.microsoft.com/office/drawing/2014/main" id="{87F6AE60-0D3F-0030-5388-FE2FD8CE311E}"/>
+                <a16:creationId xmlns:a16="http://schemas.microsoft.com/office/drawing/2014/main" id="{C4596054-9474-4062-01D8-0EEAE19C01ED}"/>
               </a:ext>
             </a:extLst>
           </p:cNvPr>
@@ -2196,7 +2196,7 @@
           <p:cNvPr id="3" name="内容占位符 2">
             <a:extLst>
               <a:ext uri="{FF2B5EF4-FFF2-40B4-BE49-F238E27FC236}">
-                <a16:creationId xmlns:a16="http://schemas.microsoft.com/office/drawing/2014/main" id="{4636370F-EC4E-0BF1-0CB1-1FE7396E19D2}"/>
+                <a16:creationId xmlns:a16="http://schemas.microsoft.com/office/drawing/2014/main" id="{D3A361E1-2E04-48D9-DF6A-90B1F0F8655B}"/>
               </a:ext>
             </a:extLst>
           </p:cNvPr>
@@ -2286,7 +2286,7 @@
           <p:cNvPr id="4" name="文本占位符 3">
             <a:extLst>
               <a:ext uri="{FF2B5EF4-FFF2-40B4-BE49-F238E27FC236}">
-                <a16:creationId xmlns:a16="http://schemas.microsoft.com/office/drawing/2014/main" id="{D690A327-5F68-7645-A886-E4509BAD6A5B}"/>
+                <a16:creationId xmlns:a16="http://schemas.microsoft.com/office/drawing/2014/main" id="{DC535192-1F39-E225-BB3A-EBEA1D994F06}"/>
               </a:ext>
             </a:extLst>
           </p:cNvPr>
@@ -2357,7 +2357,7 @@
           <p:cNvPr id="5" name="日期占位符 4">
             <a:extLst>
               <a:ext uri="{FF2B5EF4-FFF2-40B4-BE49-F238E27FC236}">
-                <a16:creationId xmlns:a16="http://schemas.microsoft.com/office/drawing/2014/main" id="{D247DF9C-BBD4-8A94-ABBF-948AD2BE0A55}"/>
+                <a16:creationId xmlns:a16="http://schemas.microsoft.com/office/drawing/2014/main" id="{3A632A6B-538F-9CA3-2C5E-C93FD9B5F1AC}"/>
               </a:ext>
             </a:extLst>
           </p:cNvPr>
@@ -2373,7 +2373,7 @@
           <a:bodyPr/>
           <a:lstStyle/>
           <a:p>
-            <a:fld id="{84405C04-CFA0-4D8C-ACD3-CF740CCBB556}" type="datetimeFigureOut">
+            <a:fld id="{84BCE30B-274F-4194-9142-E3F0B859448B}" type="datetimeFigureOut">
               <a:rPr lang="zh-CN" altLang="en-US" smtClean="0"/>
               <a:t>2024/3/10</a:t>
             </a:fld>
@@ -2386,7 +2386,7 @@
           <p:cNvPr id="6" name="页脚占位符 5">
             <a:extLst>
               <a:ext uri="{FF2B5EF4-FFF2-40B4-BE49-F238E27FC236}">
-                <a16:creationId xmlns:a16="http://schemas.microsoft.com/office/drawing/2014/main" id="{CB491D04-93DE-8F08-797A-E921A779A629}"/>
+                <a16:creationId xmlns:a16="http://schemas.microsoft.com/office/drawing/2014/main" id="{47721168-FEF9-4274-FF26-CE5898C838A8}"/>
               </a:ext>
             </a:extLst>
           </p:cNvPr>
@@ -2411,7 +2411,7 @@
           <p:cNvPr id="7" name="灯片编号占位符 6">
             <a:extLst>
               <a:ext uri="{FF2B5EF4-FFF2-40B4-BE49-F238E27FC236}">
-                <a16:creationId xmlns:a16="http://schemas.microsoft.com/office/drawing/2014/main" id="{A5572EA6-EC40-2BCF-32BF-8E92A6244851}"/>
+                <a16:creationId xmlns:a16="http://schemas.microsoft.com/office/drawing/2014/main" id="{9B42FC4F-8B95-F86E-2B89-21D094DEEBE6}"/>
               </a:ext>
             </a:extLst>
           </p:cNvPr>
@@ -2427,7 +2427,7 @@
           <a:bodyPr/>
           <a:lstStyle/>
           <a:p>
-            <a:fld id="{5B8A1779-9D12-4A4B-A6FE-E26551F73734}" type="slidenum">
+            <a:fld id="{20BD663C-372E-4720-8E5D-85A875556813}" type="slidenum">
               <a:rPr lang="zh-CN" altLang="en-US" smtClean="0"/>
               <a:t>‹#›</a:t>
             </a:fld>
@@ -2438,7 +2438,7 @@
     </p:spTree>
     <p:extLst>
       <p:ext uri="{BB962C8B-B14F-4D97-AF65-F5344CB8AC3E}">
-        <p14:creationId xmlns:p14="http://schemas.microsoft.com/office/powerpoint/2010/main" val="2905959340"/>
+        <p14:creationId xmlns:p14="http://schemas.microsoft.com/office/powerpoint/2010/main" val="2225479484"/>
       </p:ext>
     </p:extLst>
   </p:cSld>
@@ -2470,7 +2470,7 @@
           <p:cNvPr id="2" name="标题 1">
             <a:extLst>
               <a:ext uri="{FF2B5EF4-FFF2-40B4-BE49-F238E27FC236}">
-                <a16:creationId xmlns:a16="http://schemas.microsoft.com/office/drawing/2014/main" id="{A638B12B-7BCB-BAAC-BCAA-6405289EA028}"/>
+                <a16:creationId xmlns:a16="http://schemas.microsoft.com/office/drawing/2014/main" id="{3327D139-7882-177F-E059-57D10F6627A8}"/>
               </a:ext>
             </a:extLst>
           </p:cNvPr>
@@ -2507,7 +2507,7 @@
           <p:cNvPr id="3" name="图片占位符 2">
             <a:extLst>
               <a:ext uri="{FF2B5EF4-FFF2-40B4-BE49-F238E27FC236}">
-                <a16:creationId xmlns:a16="http://schemas.microsoft.com/office/drawing/2014/main" id="{A12C9745-D5CD-0F03-2AEA-63442EB41D0C}"/>
+                <a16:creationId xmlns:a16="http://schemas.microsoft.com/office/drawing/2014/main" id="{C1DEC580-385B-01C1-32E2-3F1B3271EEE1}"/>
               </a:ext>
             </a:extLst>
           </p:cNvPr>
@@ -2574,7 +2574,7 @@
           <p:cNvPr id="4" name="文本占位符 3">
             <a:extLst>
               <a:ext uri="{FF2B5EF4-FFF2-40B4-BE49-F238E27FC236}">
-                <a16:creationId xmlns:a16="http://schemas.microsoft.com/office/drawing/2014/main" id="{20B7C453-F8C2-5659-3D8A-37633792FA4C}"/>
+                <a16:creationId xmlns:a16="http://schemas.microsoft.com/office/drawing/2014/main" id="{25F0DCBA-C63B-2F3F-0ED0-83B3ED67AB00}"/>
               </a:ext>
             </a:extLst>
           </p:cNvPr>
@@ -2645,7 +2645,7 @@
           <p:cNvPr id="5" name="日期占位符 4">
             <a:extLst>
               <a:ext uri="{FF2B5EF4-FFF2-40B4-BE49-F238E27FC236}">
-                <a16:creationId xmlns:a16="http://schemas.microsoft.com/office/drawing/2014/main" id="{CB39F57B-FE66-A0D2-8490-1BAEE55A81BC}"/>
+                <a16:creationId xmlns:a16="http://schemas.microsoft.com/office/drawing/2014/main" id="{04C9699D-ED55-6D0C-454A-71AF90330DE7}"/>
               </a:ext>
             </a:extLst>
           </p:cNvPr>
@@ -2661,7 +2661,7 @@
           <a:bodyPr/>
           <a:lstStyle/>
           <a:p>
-            <a:fld id="{84405C04-CFA0-4D8C-ACD3-CF740CCBB556}" type="datetimeFigureOut">
+            <a:fld id="{84BCE30B-274F-4194-9142-E3F0B859448B}" type="datetimeFigureOut">
               <a:rPr lang="zh-CN" altLang="en-US" smtClean="0"/>
               <a:t>2024/3/10</a:t>
             </a:fld>
@@ -2674,7 +2674,7 @@
           <p:cNvPr id="6" name="页脚占位符 5">
             <a:extLst>
               <a:ext uri="{FF2B5EF4-FFF2-40B4-BE49-F238E27FC236}">
-                <a16:creationId xmlns:a16="http://schemas.microsoft.com/office/drawing/2014/main" id="{DC7E1672-BA39-652B-A083-331C5D85CB79}"/>
+                <a16:creationId xmlns:a16="http://schemas.microsoft.com/office/drawing/2014/main" id="{A0872080-09F9-D9AF-D65C-6B4977CF2CFC}"/>
               </a:ext>
             </a:extLst>
           </p:cNvPr>
@@ -2699,7 +2699,7 @@
           <p:cNvPr id="7" name="灯片编号占位符 6">
             <a:extLst>
               <a:ext uri="{FF2B5EF4-FFF2-40B4-BE49-F238E27FC236}">
-                <a16:creationId xmlns:a16="http://schemas.microsoft.com/office/drawing/2014/main" id="{212294B6-97AD-46D1-B7AE-0ED59C04ACDF}"/>
+                <a16:creationId xmlns:a16="http://schemas.microsoft.com/office/drawing/2014/main" id="{794658BD-4034-7D2A-DDDC-5B90203A81D8}"/>
               </a:ext>
             </a:extLst>
           </p:cNvPr>
@@ -2715,7 +2715,7 @@
           <a:bodyPr/>
           <a:lstStyle/>
           <a:p>
-            <a:fld id="{5B8A1779-9D12-4A4B-A6FE-E26551F73734}" type="slidenum">
+            <a:fld id="{20BD663C-372E-4720-8E5D-85A875556813}" type="slidenum">
               <a:rPr lang="zh-CN" altLang="en-US" smtClean="0"/>
               <a:t>‹#›</a:t>
             </a:fld>
@@ -2726,7 +2726,7 @@
     </p:spTree>
     <p:extLst>
       <p:ext uri="{BB962C8B-B14F-4D97-AF65-F5344CB8AC3E}">
-        <p14:creationId xmlns:p14="http://schemas.microsoft.com/office/powerpoint/2010/main" val="1489254050"/>
+        <p14:creationId xmlns:p14="http://schemas.microsoft.com/office/powerpoint/2010/main" val="3052106652"/>
       </p:ext>
     </p:extLst>
   </p:cSld>
@@ -2763,7 +2763,7 @@
           <p:cNvPr id="2" name="标题占位符 1">
             <a:extLst>
               <a:ext uri="{FF2B5EF4-FFF2-40B4-BE49-F238E27FC236}">
-                <a16:creationId xmlns:a16="http://schemas.microsoft.com/office/drawing/2014/main" id="{E12D0ED4-8B21-6F08-7FA1-17867805F52A}"/>
+                <a16:creationId xmlns:a16="http://schemas.microsoft.com/office/drawing/2014/main" id="{CF31AE9D-B4A7-66B6-B815-66E12B6CBC64}"/>
               </a:ext>
             </a:extLst>
           </p:cNvPr>
@@ -2801,7 +2801,7 @@
           <p:cNvPr id="3" name="文本占位符 2">
             <a:extLst>
               <a:ext uri="{FF2B5EF4-FFF2-40B4-BE49-F238E27FC236}">
-                <a16:creationId xmlns:a16="http://schemas.microsoft.com/office/drawing/2014/main" id="{6E4F7965-1990-4006-08A4-7A486127EB12}"/>
+                <a16:creationId xmlns:a16="http://schemas.microsoft.com/office/drawing/2014/main" id="{36FCB61F-7F83-041C-3E15-73C1B778CFFD}"/>
               </a:ext>
             </a:extLst>
           </p:cNvPr>
@@ -2868,7 +2868,7 @@
           <p:cNvPr id="4" name="日期占位符 3">
             <a:extLst>
               <a:ext uri="{FF2B5EF4-FFF2-40B4-BE49-F238E27FC236}">
-                <a16:creationId xmlns:a16="http://schemas.microsoft.com/office/drawing/2014/main" id="{5507AD25-FCEF-9329-4EC5-67E1CC3F1738}"/>
+                <a16:creationId xmlns:a16="http://schemas.microsoft.com/office/drawing/2014/main" id="{F9FFAFD3-0549-9038-613B-0DC211235C94}"/>
               </a:ext>
             </a:extLst>
           </p:cNvPr>
@@ -2902,7 +2902,7 @@
             </a:lvl1pPr>
           </a:lstStyle>
           <a:p>
-            <a:fld id="{84405C04-CFA0-4D8C-ACD3-CF740CCBB556}" type="datetimeFigureOut">
+            <a:fld id="{84BCE30B-274F-4194-9142-E3F0B859448B}" type="datetimeFigureOut">
               <a:rPr lang="zh-CN" altLang="en-US" smtClean="0"/>
               <a:t>2024/3/10</a:t>
             </a:fld>
@@ -2915,7 +2915,7 @@
           <p:cNvPr id="5" name="页脚占位符 4">
             <a:extLst>
               <a:ext uri="{FF2B5EF4-FFF2-40B4-BE49-F238E27FC236}">
-                <a16:creationId xmlns:a16="http://schemas.microsoft.com/office/drawing/2014/main" id="{EE540A97-0A57-AB85-0B1F-A36ECC261CFB}"/>
+                <a16:creationId xmlns:a16="http://schemas.microsoft.com/office/drawing/2014/main" id="{C5094C73-B064-F6BE-92BF-D9783AA74545}"/>
               </a:ext>
             </a:extLst>
           </p:cNvPr>
@@ -2958,7 +2958,7 @@
           <p:cNvPr id="6" name="灯片编号占位符 5">
             <a:extLst>
               <a:ext uri="{FF2B5EF4-FFF2-40B4-BE49-F238E27FC236}">
-                <a16:creationId xmlns:a16="http://schemas.microsoft.com/office/drawing/2014/main" id="{25A828DE-F121-5699-C570-55B6230FAF49}"/>
+                <a16:creationId xmlns:a16="http://schemas.microsoft.com/office/drawing/2014/main" id="{95BDA895-53E3-0A13-915E-9C32A88FEE15}"/>
               </a:ext>
             </a:extLst>
           </p:cNvPr>
@@ -2992,7 +2992,7 @@
             </a:lvl1pPr>
           </a:lstStyle>
           <a:p>
-            <a:fld id="{5B8A1779-9D12-4A4B-A6FE-E26551F73734}" type="slidenum">
+            <a:fld id="{20BD663C-372E-4720-8E5D-85A875556813}" type="slidenum">
               <a:rPr lang="zh-CN" altLang="en-US" smtClean="0"/>
               <a:t>‹#›</a:t>
             </a:fld>
@@ -3003,7 +3003,7 @@
     </p:spTree>
     <p:extLst>
       <p:ext uri="{BB962C8B-B14F-4D97-AF65-F5344CB8AC3E}">
-        <p14:creationId xmlns:p14="http://schemas.microsoft.com/office/powerpoint/2010/main" val="2873525759"/>
+        <p14:creationId xmlns:p14="http://schemas.microsoft.com/office/powerpoint/2010/main" val="764388402"/>
       </p:ext>
     </p:extLst>
   </p:cSld>
@@ -3323,7 +3323,7 @@
       </p:grpSpPr>
       <p:pic>
         <p:nvPicPr>
-          <p:cNvPr id="1586178" name="Picture 2" descr="1548"/>
+          <p:cNvPr id="1587202" name="Picture 2" descr="1549"/>
           <p:cNvPicPr>
             <a:picLocks noChangeAspect="1" noChangeArrowheads="1"/>
           </p:cNvPicPr>
@@ -3345,7 +3345,7 @@
         <p:spPr bwMode="auto">
           <a:xfrm>
             <a:off x="1524000" y="1"/>
-            <a:ext cx="9055100" cy="6651625"/>
+            <a:ext cx="9144000" cy="6308725"/>
           </a:xfrm>
           <a:prstGeom prst="rect">
             <a:avLst/>
@@ -3375,158 +3375,11 @@
           </a:extLst>
         </p:spPr>
       </p:pic>
-      <p:pic>
-        <p:nvPicPr>
-          <p:cNvPr id="1587203" name="Picture 3" descr="1548-2"/>
-          <p:cNvPicPr>
-            <a:picLocks noChangeAspect="1" noChangeArrowheads="1"/>
-          </p:cNvPicPr>
-          <p:nvPr/>
-        </p:nvPicPr>
-        <p:blipFill>
-          <a:blip r:embed="rId3">
-            <a:extLst>
-              <a:ext uri="{28A0092B-C50C-407E-A947-70E740481C1C}">
-                <a14:useLocalDpi xmlns:a14="http://schemas.microsoft.com/office/drawing/2010/main" val="0"/>
-              </a:ext>
-            </a:extLst>
-          </a:blip>
-          <a:srcRect/>
-          <a:stretch>
-            <a:fillRect/>
-          </a:stretch>
-        </p:blipFill>
-        <p:spPr bwMode="auto">
-          <a:xfrm>
-            <a:off x="1524000" y="1"/>
-            <a:ext cx="9124950" cy="6742113"/>
-          </a:xfrm>
-          <a:prstGeom prst="rect">
-            <a:avLst/>
-          </a:prstGeom>
-          <a:noFill/>
-          <a:ln>
-            <a:noFill/>
-          </a:ln>
-          <a:effectLst/>
-          <a:extLst>
-            <a:ext uri="{909E8E84-426E-40DD-AFC4-6F175D3DCCD1}">
-              <a14:hiddenFill xmlns:a14="http://schemas.microsoft.com/office/drawing/2010/main">
-                <a:solidFill>
-                  <a:srgbClr val="FFFFFF"/>
-                </a:solidFill>
-              </a14:hiddenFill>
-            </a:ext>
-            <a:ext uri="{91240B29-F687-4F45-9708-019B960494DF}">
-              <a14:hiddenLine xmlns:a14="http://schemas.microsoft.com/office/drawing/2010/main" w="9525">
-                <a:solidFill>
-                  <a:srgbClr val="000000"/>
-                </a:solidFill>
-                <a:miter lim="800000"/>
-                <a:headEnd/>
-                <a:tailEnd/>
-              </a14:hiddenLine>
-            </a:ext>
-            <a:ext uri="{AF507438-7753-43E0-B8FC-AC1667EBCBE1}">
-              <a14:hiddenEffects xmlns:a14="http://schemas.microsoft.com/office/drawing/2010/main">
-                <a:effectLst>
-                  <a:outerShdw dist="35921" dir="2700000" algn="ctr" rotWithShape="0">
-                    <a:srgbClr val="808080"/>
-                  </a:outerShdw>
-                </a:effectLst>
-              </a14:hiddenEffects>
-            </a:ext>
-          </a:extLst>
-        </p:spPr>
-      </p:pic>
     </p:spTree>
   </p:cSld>
   <p:clrMapOvr>
     <a:masterClrMapping/>
   </p:clrMapOvr>
-  <p:timing>
-    <p:tnLst>
-      <p:par>
-        <p:cTn id="1" dur="indefinite" restart="never" nodeType="tmRoot">
-          <p:childTnLst>
-            <p:seq concurrent="1" nextAc="seek">
-              <p:cTn id="2" dur="indefinite" nodeType="mainSeq">
-                <p:childTnLst>
-                  <p:par>
-                    <p:cTn id="3" fill="hold" nodeType="clickPar">
-                      <p:stCondLst>
-                        <p:cond delay="indefinite"/>
-                      </p:stCondLst>
-                      <p:childTnLst>
-                        <p:par>
-                          <p:cTn id="4" fill="hold" nodeType="withGroup">
-                            <p:stCondLst>
-                              <p:cond delay="0"/>
-                            </p:stCondLst>
-                            <p:childTnLst>
-                              <p:par>
-                                <p:cTn id="5" presetID="10" presetClass="entr" presetSubtype="0" fill="hold" nodeType="clickEffect">
-                                  <p:stCondLst>
-                                    <p:cond delay="0"/>
-                                  </p:stCondLst>
-                                  <p:childTnLst>
-                                    <p:set>
-                                      <p:cBhvr>
-                                        <p:cTn id="6" dur="1" fill="hold">
-                                          <p:stCondLst>
-                                            <p:cond delay="0"/>
-                                          </p:stCondLst>
-                                        </p:cTn>
-                                        <p:tgtEl>
-                                          <p:spTgt spid="1587203"/>
-                                        </p:tgtEl>
-                                        <p:attrNameLst>
-                                          <p:attrName>style.visibility</p:attrName>
-                                        </p:attrNameLst>
-                                      </p:cBhvr>
-                                      <p:to>
-                                        <p:strVal val="visible"/>
-                                      </p:to>
-                                    </p:set>
-                                    <p:animEffect transition="in" filter="fade">
-                                      <p:cBhvr>
-                                        <p:cTn id="7" dur="500"/>
-                                        <p:tgtEl>
-                                          <p:spTgt spid="1587203"/>
-                                        </p:tgtEl>
-                                      </p:cBhvr>
-                                    </p:animEffect>
-                                  </p:childTnLst>
-                                </p:cTn>
-                              </p:par>
-                            </p:childTnLst>
-                          </p:cTn>
-                        </p:par>
-                      </p:childTnLst>
-                    </p:cTn>
-                  </p:par>
-                </p:childTnLst>
-              </p:cTn>
-              <p:prevCondLst>
-                <p:cond evt="onPrev" delay="0">
-                  <p:tgtEl>
-                    <p:sldTgt/>
-                  </p:tgtEl>
-                </p:cond>
-              </p:prevCondLst>
-              <p:nextCondLst>
-                <p:cond evt="onNext" delay="0">
-                  <p:tgtEl>
-                    <p:sldTgt/>
-                  </p:tgtEl>
-                </p:cond>
-              </p:nextCondLst>
-            </p:seq>
-          </p:childTnLst>
-        </p:cTn>
-      </p:par>
-    </p:tnLst>
-  </p:timing>
 </p:sld>
 </file>
 
